--- a/Presentation1.pptx
+++ b/Presentation1.pptx
@@ -7,10 +7,11 @@
   <p:sldIdLst>
     <p:sldId id="256" r:id="rId2"/>
     <p:sldId id="257" r:id="rId3"/>
-    <p:sldId id="258" r:id="rId4"/>
-    <p:sldId id="260" r:id="rId5"/>
-    <p:sldId id="259" r:id="rId6"/>
-    <p:sldId id="261" r:id="rId7"/>
+    <p:sldId id="262" r:id="rId4"/>
+    <p:sldId id="258" r:id="rId5"/>
+    <p:sldId id="260" r:id="rId6"/>
+    <p:sldId id="259" r:id="rId7"/>
+    <p:sldId id="261" r:id="rId8"/>
   </p:sldIdLst>
   <p:sldSz cx="12192000" cy="6858000"/>
   <p:notesSz cx="6858000" cy="9144000"/>
@@ -3521,6 +3522,12 @@
           <a:p>
             <a:r>
               <a:rPr lang="en-US" dirty="0"/>
+              <a:t>Use Python to analyze past trading activity and price changes of a stock as indicators of  security's future price movements. </a:t>
+            </a:r>
+          </a:p>
+          <a:p>
+            <a:r>
+              <a:rPr lang="en-US" dirty="0"/>
               <a:t>Create Long Short Term Memory (LSTM )Models to predict future stock prices.</a:t>
             </a:r>
           </a:p>
@@ -3567,6 +3574,172 @@
           <p:cNvPr id="2" name="Title 1">
             <a:extLst>
               <a:ext uri="{FF2B5EF4-FFF2-40B4-BE49-F238E27FC236}">
+                <a16:creationId xmlns:a16="http://schemas.microsoft.com/office/drawing/2014/main" id="{F9205917-1BAA-2049-88A7-B2F85362E055}"/>
+              </a:ext>
+            </a:extLst>
+          </p:cNvPr>
+          <p:cNvSpPr>
+            <a:spLocks noGrp="1"/>
+          </p:cNvSpPr>
+          <p:nvPr>
+            <p:ph type="title"/>
+          </p:nvPr>
+        </p:nvSpPr>
+        <p:spPr/>
+        <p:txBody>
+          <a:bodyPr>
+            <a:normAutofit/>
+          </a:bodyPr>
+          <a:lstStyle/>
+          <a:p>
+            <a:r>
+              <a:rPr lang="en-US" sz="2700" b="1" dirty="0"/>
+              <a:t>Question 1:</a:t>
+            </a:r>
+            <a:r>
+              <a:rPr lang="en-US" sz="2700" dirty="0"/>
+              <a:t>  Can Python be used to analyze past trading activity and price changes of a stock as indicators of security's future price movements. </a:t>
+            </a:r>
+            <a:br>
+              <a:rPr lang="en-US" dirty="0"/>
+            </a:br>
+            <a:r>
+              <a:rPr lang="en-US" sz="2700" dirty="0"/>
+              <a:t>cv</a:t>
+            </a:r>
+          </a:p>
+        </p:txBody>
+      </p:sp>
+      <p:sp>
+        <p:nvSpPr>
+          <p:cNvPr id="3" name="Content Placeholder 2">
+            <a:extLst>
+              <a:ext uri="{FF2B5EF4-FFF2-40B4-BE49-F238E27FC236}">
+                <a16:creationId xmlns:a16="http://schemas.microsoft.com/office/drawing/2014/main" id="{EB72BC3E-3595-7E46-BD68-0C8E59DB037B}"/>
+              </a:ext>
+            </a:extLst>
+          </p:cNvPr>
+          <p:cNvSpPr>
+            <a:spLocks noGrp="1"/>
+          </p:cNvSpPr>
+          <p:nvPr>
+            <p:ph sz="half" idx="1"/>
+          </p:nvPr>
+        </p:nvSpPr>
+        <p:spPr/>
+        <p:txBody>
+          <a:bodyPr/>
+          <a:lstStyle/>
+          <a:p>
+            <a:r>
+              <a:rPr lang="en-US" dirty="0"/>
+              <a:t>PFE (Pfizer)</a:t>
+            </a:r>
+          </a:p>
+          <a:p>
+            <a:r>
+              <a:rPr lang="en-US" dirty="0"/>
+              <a:t>10 and 50 Day Moving Averages</a:t>
+            </a:r>
+          </a:p>
+          <a:p>
+            <a:r>
+              <a:rPr lang="en-US" dirty="0"/>
+              <a:t>MA crosses the slow one upwards, we buy the asset. When the slow MA crosses the fast one upwards, we sell the asset.</a:t>
+            </a:r>
+          </a:p>
+        </p:txBody>
+      </p:sp>
+      <p:sp>
+        <p:nvSpPr>
+          <p:cNvPr id="4" name="Content Placeholder 3">
+            <a:extLst>
+              <a:ext uri="{FF2B5EF4-FFF2-40B4-BE49-F238E27FC236}">
+                <a16:creationId xmlns:a16="http://schemas.microsoft.com/office/drawing/2014/main" id="{0DC938F3-84C2-2144-84B1-2ED181262FAB}"/>
+              </a:ext>
+            </a:extLst>
+          </p:cNvPr>
+          <p:cNvSpPr>
+            <a:spLocks noGrp="1"/>
+          </p:cNvSpPr>
+          <p:nvPr>
+            <p:ph sz="half" idx="2"/>
+          </p:nvPr>
+        </p:nvSpPr>
+        <p:spPr/>
+        <p:txBody>
+          <a:bodyPr/>
+          <a:lstStyle/>
+          <a:p>
+            <a:endParaRPr lang="en-US"/>
+          </a:p>
+        </p:txBody>
+      </p:sp>
+      <p:pic>
+        <p:nvPicPr>
+          <p:cNvPr id="6" name="Picture 5">
+            <a:extLst>
+              <a:ext uri="{FF2B5EF4-FFF2-40B4-BE49-F238E27FC236}">
+                <a16:creationId xmlns:a16="http://schemas.microsoft.com/office/drawing/2014/main" id="{D244A917-7E9F-9044-B797-918AFD9851B1}"/>
+              </a:ext>
+            </a:extLst>
+          </p:cNvPr>
+          <p:cNvPicPr>
+            <a:picLocks noChangeAspect="1"/>
+          </p:cNvPicPr>
+          <p:nvPr/>
+        </p:nvPicPr>
+        <p:blipFill>
+          <a:blip r:embed="rId2"/>
+          <a:stretch>
+            <a:fillRect/>
+          </a:stretch>
+        </p:blipFill>
+        <p:spPr>
+          <a:xfrm>
+            <a:off x="5862180" y="1515648"/>
+            <a:ext cx="6329819" cy="4925127"/>
+          </a:xfrm>
+          <a:prstGeom prst="rect">
+            <a:avLst/>
+          </a:prstGeom>
+        </p:spPr>
+      </p:pic>
+    </p:spTree>
+    <p:extLst>
+      <p:ext uri="{BB962C8B-B14F-4D97-AF65-F5344CB8AC3E}">
+        <p14:creationId xmlns:p14="http://schemas.microsoft.com/office/powerpoint/2010/main" val="3951784927"/>
+      </p:ext>
+    </p:extLst>
+  </p:cSld>
+  <p:clrMapOvr>
+    <a:masterClrMapping/>
+  </p:clrMapOvr>
+</p:sld>
+</file>
+
+<file path=ppt/slides/slide4.xml><?xml version="1.0" encoding="utf-8"?>
+<p:sld xmlns:a="http://schemas.openxmlformats.org/drawingml/2006/main" xmlns:r="http://schemas.openxmlformats.org/officeDocument/2006/relationships" xmlns:p="http://schemas.openxmlformats.org/presentationml/2006/main">
+  <p:cSld>
+    <p:spTree>
+      <p:nvGrpSpPr>
+        <p:cNvPr id="1" name=""/>
+        <p:cNvGrpSpPr/>
+        <p:nvPr/>
+      </p:nvGrpSpPr>
+      <p:grpSpPr>
+        <a:xfrm>
+          <a:off x="0" y="0"/>
+          <a:ext cx="0" cy="0"/>
+          <a:chOff x="0" y="0"/>
+          <a:chExt cx="0" cy="0"/>
+        </a:xfrm>
+      </p:grpSpPr>
+      <p:sp>
+        <p:nvSpPr>
+          <p:cNvPr id="2" name="Title 1">
+            <a:extLst>
+              <a:ext uri="{FF2B5EF4-FFF2-40B4-BE49-F238E27FC236}">
                 <a16:creationId xmlns:a16="http://schemas.microsoft.com/office/drawing/2014/main" id="{BA74225A-6846-AE43-B8D8-59EDC788BC83}"/>
               </a:ext>
             </a:extLst>
@@ -3776,7 +3949,7 @@
 </p:sld>
 </file>
 
-<file path=ppt/slides/slide4.xml><?xml version="1.0" encoding="utf-8"?>
+<file path=ppt/slides/slide5.xml><?xml version="1.0" encoding="utf-8"?>
 <p:sld xmlns:a="http://schemas.openxmlformats.org/drawingml/2006/main" xmlns:r="http://schemas.openxmlformats.org/officeDocument/2006/relationships" xmlns:p="http://schemas.openxmlformats.org/presentationml/2006/main">
   <p:cSld>
     <p:spTree>
@@ -3982,7 +4155,7 @@
 </p:sld>
 </file>
 
-<file path=ppt/slides/slide5.xml><?xml version="1.0" encoding="utf-8"?>
+<file path=ppt/slides/slide6.xml><?xml version="1.0" encoding="utf-8"?>
 <p:sld xmlns:a="http://schemas.openxmlformats.org/drawingml/2006/main" xmlns:r="http://schemas.openxmlformats.org/officeDocument/2006/relationships" xmlns:p="http://schemas.openxmlformats.org/presentationml/2006/main">
   <p:cSld>
     <p:spTree>
@@ -4195,7 +4368,7 @@
 </p:sld>
 </file>
 
-<file path=ppt/slides/slide6.xml><?xml version="1.0" encoding="utf-8"?>
+<file path=ppt/slides/slide7.xml><?xml version="1.0" encoding="utf-8"?>
 <p:sld xmlns:a="http://schemas.openxmlformats.org/drawingml/2006/main" xmlns:r="http://schemas.openxmlformats.org/officeDocument/2006/relationships" xmlns:p="http://schemas.openxmlformats.org/presentationml/2006/main">
   <p:cSld>
     <p:spTree>

--- a/Presentation1.pptx
+++ b/Presentation1.pptx
@@ -3343,14 +3343,19 @@
             <p:ph type="ctrTitle"/>
           </p:nvPr>
         </p:nvSpPr>
-        <p:spPr/>
-        <p:txBody>
-          <a:bodyPr/>
-          <a:lstStyle/>
-          <a:p>
-            <a:r>
-              <a:rPr lang="en-US" dirty="0"/>
-              <a:t>Automating Stock Trading</a:t>
+        <p:spPr>
+          <a:xfrm>
+            <a:off x="1524000" y="0"/>
+            <a:ext cx="9144000" cy="3692434"/>
+          </a:xfrm>
+        </p:spPr>
+        <p:txBody>
+          <a:bodyPr/>
+          <a:lstStyle/>
+          <a:p>
+            <a:r>
+              <a:rPr lang="en-US" sz="3200" dirty="0"/>
+              <a:t>Automating Stock Analysis and Price Forecasting</a:t>
             </a:r>
           </a:p>
         </p:txBody>
@@ -3371,9 +3376,16 @@
             <p:ph type="subTitle" idx="1"/>
           </p:nvPr>
         </p:nvSpPr>
-        <p:spPr/>
-        <p:txBody>
-          <a:bodyPr/>
+        <p:spPr>
+          <a:xfrm>
+            <a:off x="1524000" y="3770811"/>
+            <a:ext cx="9144000" cy="2316480"/>
+          </a:xfrm>
+        </p:spPr>
+        <p:txBody>
+          <a:bodyPr>
+            <a:normAutofit/>
+          </a:bodyPr>
           <a:lstStyle/>
           <a:p>
             <a:endParaRPr lang="en-US" dirty="0"/>
@@ -3403,7 +3415,37 @@
         <p:spPr>
           <a:xfrm>
             <a:off x="1524000" y="548640"/>
-            <a:ext cx="9144000" cy="1813560"/>
+            <a:ext cx="9144000" cy="2046514"/>
+          </a:xfrm>
+          <a:prstGeom prst="rect">
+            <a:avLst/>
+          </a:prstGeom>
+        </p:spPr>
+      </p:pic>
+      <p:pic>
+        <p:nvPicPr>
+          <p:cNvPr id="9" name="Picture 8" descr="A picture containing text, person, indoor, hand&#10;&#10;Description automatically generated">
+            <a:extLst>
+              <a:ext uri="{FF2B5EF4-FFF2-40B4-BE49-F238E27FC236}">
+                <a16:creationId xmlns:a16="http://schemas.microsoft.com/office/drawing/2014/main" id="{AEB03A0B-AD97-7244-9563-5FF23372CCA8}"/>
+              </a:ext>
+            </a:extLst>
+          </p:cNvPr>
+          <p:cNvPicPr>
+            <a:picLocks noChangeAspect="1"/>
+          </p:cNvPicPr>
+          <p:nvPr/>
+        </p:nvPicPr>
+        <p:blipFill>
+          <a:blip r:embed="rId3"/>
+          <a:stretch>
+            <a:fillRect/>
+          </a:stretch>
+        </p:blipFill>
+        <p:spPr>
+          <a:xfrm>
+            <a:off x="4167428" y="3692434"/>
+            <a:ext cx="3857143" cy="2473235"/>
           </a:xfrm>
           <a:prstGeom prst="rect">
             <a:avLst/>
@@ -3504,31 +3546,31 @@
           <a:p>
             <a:r>
               <a:rPr lang="en-US" dirty="0"/>
-              <a:t>With technology stock trading is becoming highly automated.</a:t>
+              <a:t>stock trading is becoming highly automated and user friendly</a:t>
             </a:r>
           </a:p>
           <a:p>
             <a:r>
               <a:rPr lang="en-US" dirty="0"/>
-              <a:t>Stocks of pharmaceutical companies involved in COVID vaccinations</a:t>
+              <a:t>Stocks of pharmaceutical companies producing COVID vaccinations</a:t>
             </a:r>
           </a:p>
           <a:p>
             <a:r>
               <a:rPr lang="en-US" dirty="0"/>
-              <a:t>Data time period: 1/3/17 – 4/30/21</a:t>
+              <a:t>Dataset time period: 1/3/17 – 4/30/21</a:t>
             </a:r>
           </a:p>
           <a:p>
             <a:r>
               <a:rPr lang="en-US" dirty="0"/>
-              <a:t>Use Python to analyze past trading activity and price changes of a stock as indicators of  security's future price movements. </a:t>
+              <a:t>Use Python to create models and plots for past trading activity and price forecasting. </a:t>
             </a:r>
           </a:p>
           <a:p>
             <a:r>
               <a:rPr lang="en-US" dirty="0"/>
-              <a:t>Create Long Short Term Memory (LSTM )Models to predict future stock prices.</a:t>
+              <a:t>Long Short Term Memory (LSTM ) and ARIMA Models to predict future stock prices.</a:t>
             </a:r>
           </a:p>
           <a:p>
@@ -3594,19 +3636,16 @@
           <a:p>
             <a:r>
               <a:rPr lang="en-US" sz="2700" b="1" dirty="0"/>
-              <a:t>Question 1:</a:t>
+              <a:t>Question 1:  Can </a:t>
             </a:r>
             <a:r>
               <a:rPr lang="en-US" sz="2700" dirty="0"/>
-              <a:t>  Can Python be used to analyze past trading activity and price changes of a stock as indicators of security's future price movements. </a:t>
+              <a:t>basic plots be used for analysis of past trading activity, price changes and security's future price movements? </a:t>
             </a:r>
             <a:br>
               <a:rPr lang="en-US" dirty="0"/>
             </a:br>
-            <a:r>
-              <a:rPr lang="en-US" sz="2700" dirty="0"/>
-              <a:t>cv</a:t>
-            </a:r>
+            <a:endParaRPr lang="en-US" sz="2700" dirty="0"/>
           </a:p>
         </p:txBody>
       </p:sp>
@@ -3626,7 +3665,12 @@
             <p:ph sz="half" idx="1"/>
           </p:nvPr>
         </p:nvSpPr>
-        <p:spPr/>
+        <p:spPr>
+          <a:xfrm>
+            <a:off x="838200" y="1825625"/>
+            <a:ext cx="4717212" cy="4351338"/>
+          </a:xfrm>
+        </p:spPr>
         <p:txBody>
           <a:bodyPr/>
           <a:lstStyle/>
@@ -3645,7 +3689,7 @@
           <a:p>
             <a:r>
               <a:rPr lang="en-US" dirty="0"/>
-              <a:t>MA crosses the slow one upwards, we buy the asset. When the slow MA crosses the fast one upwards, we sell the asset.</a:t>
+              <a:t>10_MA crosses 50_MA upwards, we buy the asset. When the 50_MA crosses the 10_MA upwards, we sell the asset.</a:t>
             </a:r>
           </a:p>
         </p:txBody>
@@ -3666,12 +3710,17 @@
             <p:ph sz="half" idx="2"/>
           </p:nvPr>
         </p:nvSpPr>
-        <p:spPr/>
-        <p:txBody>
-          <a:bodyPr/>
-          <a:lstStyle/>
-          <a:p>
-            <a:endParaRPr lang="en-US"/>
+        <p:spPr>
+          <a:xfrm>
+            <a:off x="5896303" y="1825625"/>
+            <a:ext cx="5457497" cy="4351338"/>
+          </a:xfrm>
+        </p:spPr>
+        <p:txBody>
+          <a:bodyPr/>
+          <a:lstStyle/>
+          <a:p>
+            <a:endParaRPr lang="en-US" dirty="0"/>
           </a:p>
         </p:txBody>
       </p:sp>
@@ -3697,8 +3746,8 @@
         </p:blipFill>
         <p:spPr>
           <a:xfrm>
-            <a:off x="5862180" y="1515648"/>
-            <a:ext cx="6329819" cy="4925127"/>
+            <a:off x="5050567" y="1567748"/>
+            <a:ext cx="7148968" cy="4925127"/>
           </a:xfrm>
           <a:prstGeom prst="rect">
             <a:avLst/>
@@ -3771,7 +3820,7 @@
             </a:br>
             <a:r>
               <a:rPr lang="en-US" sz="2400" b="1" dirty="0"/>
-              <a:t>Question 1:  How well does the LSTM model perform in forecasting stock prices with 'Adj Close' column and only basic model parameters</a:t>
+              <a:t>Question 2:  How well does the LSTM model perform in forecasting stock prices with 'Adj Close' column and only basic model parameters</a:t>
             </a:r>
             <a:r>
               <a:rPr lang="en-US" sz="2400" dirty="0"/>

--- a/Presentation1.pptx
+++ b/Presentation1.pptx
@@ -8,10 +8,15 @@
     <p:sldId id="256" r:id="rId2"/>
     <p:sldId id="257" r:id="rId3"/>
     <p:sldId id="262" r:id="rId4"/>
-    <p:sldId id="258" r:id="rId5"/>
-    <p:sldId id="260" r:id="rId6"/>
-    <p:sldId id="259" r:id="rId7"/>
-    <p:sldId id="261" r:id="rId8"/>
+    <p:sldId id="265" r:id="rId5"/>
+    <p:sldId id="258" r:id="rId6"/>
+    <p:sldId id="260" r:id="rId7"/>
+    <p:sldId id="259" r:id="rId8"/>
+    <p:sldId id="261" r:id="rId9"/>
+    <p:sldId id="263" r:id="rId10"/>
+    <p:sldId id="264" r:id="rId11"/>
+    <p:sldId id="266" r:id="rId12"/>
+    <p:sldId id="267" r:id="rId13"/>
   </p:sldIdLst>
   <p:sldSz cx="12192000" cy="6858000"/>
   <p:notesSz cx="6858000" cy="9144000"/>
@@ -110,6 +115,11 @@
       </a:defRPr>
     </a:lvl9pPr>
   </p:defaultTextStyle>
+  <p:extLst>
+    <p:ext uri="{EFAFB233-063F-42B5-8137-9DF3F51BA10A}">
+      <p15:sldGuideLst xmlns:p15="http://schemas.microsoft.com/office/powerpoint/2012/main"/>
+    </p:ext>
+  </p:extLst>
 </p:presentation>
 </file>
 
@@ -260,7 +270,7 @@
           <a:p>
             <a:fld id="{B78F0ACE-C450-9348-9BE0-6DF5267D5AAC}" type="datetimeFigureOut">
               <a:rPr lang="en-US" smtClean="0"/>
-              <a:t>4/29/21</a:t>
+              <a:t>5/2/21</a:t>
             </a:fld>
             <a:endParaRPr lang="en-US"/>
           </a:p>
@@ -458,7 +468,7 @@
           <a:p>
             <a:fld id="{B78F0ACE-C450-9348-9BE0-6DF5267D5AAC}" type="datetimeFigureOut">
               <a:rPr lang="en-US" smtClean="0"/>
-              <a:t>4/29/21</a:t>
+              <a:t>5/2/21</a:t>
             </a:fld>
             <a:endParaRPr lang="en-US"/>
           </a:p>
@@ -666,7 +676,7 @@
           <a:p>
             <a:fld id="{B78F0ACE-C450-9348-9BE0-6DF5267D5AAC}" type="datetimeFigureOut">
               <a:rPr lang="en-US" smtClean="0"/>
-              <a:t>4/29/21</a:t>
+              <a:t>5/2/21</a:t>
             </a:fld>
             <a:endParaRPr lang="en-US"/>
           </a:p>
@@ -864,7 +874,7 @@
           <a:p>
             <a:fld id="{B78F0ACE-C450-9348-9BE0-6DF5267D5AAC}" type="datetimeFigureOut">
               <a:rPr lang="en-US" smtClean="0"/>
-              <a:t>4/29/21</a:t>
+              <a:t>5/2/21</a:t>
             </a:fld>
             <a:endParaRPr lang="en-US"/>
           </a:p>
@@ -1139,7 +1149,7 @@
           <a:p>
             <a:fld id="{B78F0ACE-C450-9348-9BE0-6DF5267D5AAC}" type="datetimeFigureOut">
               <a:rPr lang="en-US" smtClean="0"/>
-              <a:t>4/29/21</a:t>
+              <a:t>5/2/21</a:t>
             </a:fld>
             <a:endParaRPr lang="en-US"/>
           </a:p>
@@ -1404,7 +1414,7 @@
           <a:p>
             <a:fld id="{B78F0ACE-C450-9348-9BE0-6DF5267D5AAC}" type="datetimeFigureOut">
               <a:rPr lang="en-US" smtClean="0"/>
-              <a:t>4/29/21</a:t>
+              <a:t>5/2/21</a:t>
             </a:fld>
             <a:endParaRPr lang="en-US"/>
           </a:p>
@@ -1816,7 +1826,7 @@
           <a:p>
             <a:fld id="{B78F0ACE-C450-9348-9BE0-6DF5267D5AAC}" type="datetimeFigureOut">
               <a:rPr lang="en-US" smtClean="0"/>
-              <a:t>4/29/21</a:t>
+              <a:t>5/2/21</a:t>
             </a:fld>
             <a:endParaRPr lang="en-US"/>
           </a:p>
@@ -1957,7 +1967,7 @@
           <a:p>
             <a:fld id="{B78F0ACE-C450-9348-9BE0-6DF5267D5AAC}" type="datetimeFigureOut">
               <a:rPr lang="en-US" smtClean="0"/>
-              <a:t>4/29/21</a:t>
+              <a:t>5/2/21</a:t>
             </a:fld>
             <a:endParaRPr lang="en-US"/>
           </a:p>
@@ -2070,7 +2080,7 @@
           <a:p>
             <a:fld id="{B78F0ACE-C450-9348-9BE0-6DF5267D5AAC}" type="datetimeFigureOut">
               <a:rPr lang="en-US" smtClean="0"/>
-              <a:t>4/29/21</a:t>
+              <a:t>5/2/21</a:t>
             </a:fld>
             <a:endParaRPr lang="en-US"/>
           </a:p>
@@ -2381,7 +2391,7 @@
           <a:p>
             <a:fld id="{B78F0ACE-C450-9348-9BE0-6DF5267D5AAC}" type="datetimeFigureOut">
               <a:rPr lang="en-US" smtClean="0"/>
-              <a:t>4/29/21</a:t>
+              <a:t>5/2/21</a:t>
             </a:fld>
             <a:endParaRPr lang="en-US"/>
           </a:p>
@@ -2669,7 +2679,7 @@
           <a:p>
             <a:fld id="{B78F0ACE-C450-9348-9BE0-6DF5267D5AAC}" type="datetimeFigureOut">
               <a:rPr lang="en-US" smtClean="0"/>
-              <a:t>4/29/21</a:t>
+              <a:t>5/2/21</a:t>
             </a:fld>
             <a:endParaRPr lang="en-US"/>
           </a:p>
@@ -2910,7 +2920,7 @@
           <a:p>
             <a:fld id="{B78F0ACE-C450-9348-9BE0-6DF5267D5AAC}" type="datetimeFigureOut">
               <a:rPr lang="en-US" smtClean="0"/>
-              <a:t>4/29/21</a:t>
+              <a:t>5/2/21</a:t>
             </a:fld>
             <a:endParaRPr lang="en-US"/>
           </a:p>
@@ -3465,6 +3475,288 @@
 </p:sld>
 </file>
 
+<file path=ppt/slides/slide10.xml><?xml version="1.0" encoding="utf-8"?>
+<p:sld xmlns:a="http://schemas.openxmlformats.org/drawingml/2006/main" xmlns:r="http://schemas.openxmlformats.org/officeDocument/2006/relationships" xmlns:p="http://schemas.openxmlformats.org/presentationml/2006/main">
+  <p:cSld>
+    <p:spTree>
+      <p:nvGrpSpPr>
+        <p:cNvPr id="1" name=""/>
+        <p:cNvGrpSpPr/>
+        <p:nvPr/>
+      </p:nvGrpSpPr>
+      <p:grpSpPr>
+        <a:xfrm>
+          <a:off x="0" y="0"/>
+          <a:ext cx="0" cy="0"/>
+          <a:chOff x="0" y="0"/>
+          <a:chExt cx="0" cy="0"/>
+        </a:xfrm>
+      </p:grpSpPr>
+      <p:sp>
+        <p:nvSpPr>
+          <p:cNvPr id="2" name="Title 1">
+            <a:extLst>
+              <a:ext uri="{FF2B5EF4-FFF2-40B4-BE49-F238E27FC236}">
+                <a16:creationId xmlns:a16="http://schemas.microsoft.com/office/drawing/2014/main" id="{72116E0D-3BF3-254E-B6AD-B14905DA9174}"/>
+              </a:ext>
+            </a:extLst>
+          </p:cNvPr>
+          <p:cNvSpPr>
+            <a:spLocks noGrp="1"/>
+          </p:cNvSpPr>
+          <p:nvPr>
+            <p:ph type="title"/>
+          </p:nvPr>
+        </p:nvSpPr>
+        <p:spPr/>
+        <p:txBody>
+          <a:bodyPr/>
+          <a:lstStyle/>
+          <a:p>
+            <a:pPr algn="ctr"/>
+            <a:r>
+              <a:rPr lang="en-US" b="1" dirty="0"/>
+              <a:t>Recommendations</a:t>
+            </a:r>
+          </a:p>
+        </p:txBody>
+      </p:sp>
+      <p:sp>
+        <p:nvSpPr>
+          <p:cNvPr id="3" name="Content Placeholder 2">
+            <a:extLst>
+              <a:ext uri="{FF2B5EF4-FFF2-40B4-BE49-F238E27FC236}">
+                <a16:creationId xmlns:a16="http://schemas.microsoft.com/office/drawing/2014/main" id="{29412B05-47D7-BE41-9F04-0D0BC213F5FC}"/>
+              </a:ext>
+            </a:extLst>
+          </p:cNvPr>
+          <p:cNvSpPr>
+            <a:spLocks noGrp="1"/>
+          </p:cNvSpPr>
+          <p:nvPr>
+            <p:ph idx="1"/>
+          </p:nvPr>
+        </p:nvSpPr>
+        <p:spPr/>
+        <p:txBody>
+          <a:bodyPr/>
+          <a:lstStyle/>
+          <a:p>
+            <a:r>
+              <a:rPr lang="en-US" dirty="0"/>
+              <a:t>Pursue building platform which enables users with only the symbol of stock to apply technical indicators for historical stock analysis and price trends.  </a:t>
+            </a:r>
+          </a:p>
+          <a:p>
+            <a:r>
+              <a:rPr lang="en-US" dirty="0"/>
+              <a:t>The plots can be easily </a:t>
+            </a:r>
+            <a:r>
+              <a:rPr lang="en-US" dirty="0" err="1"/>
+              <a:t>understoood</a:t>
+            </a:r>
+            <a:r>
+              <a:rPr lang="en-US" dirty="0"/>
+              <a:t> with users having very little knowledge of stock trading and analysis.  Future Software will need to provide basic instruction on how the technical indicators can be used. </a:t>
+            </a:r>
+          </a:p>
+          <a:p>
+            <a:r>
+              <a:rPr lang="en-US" dirty="0"/>
+              <a:t> Create software for LSTM and ARIMA algorithms at a basic level which can be utilized by users for market analysis and price forecasting</a:t>
+            </a:r>
+          </a:p>
+        </p:txBody>
+      </p:sp>
+    </p:spTree>
+    <p:extLst>
+      <p:ext uri="{BB962C8B-B14F-4D97-AF65-F5344CB8AC3E}">
+        <p14:creationId xmlns:p14="http://schemas.microsoft.com/office/powerpoint/2010/main" val="4088889416"/>
+      </p:ext>
+    </p:extLst>
+  </p:cSld>
+  <p:clrMapOvr>
+    <a:masterClrMapping/>
+  </p:clrMapOvr>
+</p:sld>
+</file>
+
+<file path=ppt/slides/slide11.xml><?xml version="1.0" encoding="utf-8"?>
+<p:sld xmlns:a="http://schemas.openxmlformats.org/drawingml/2006/main" xmlns:r="http://schemas.openxmlformats.org/officeDocument/2006/relationships" xmlns:p="http://schemas.openxmlformats.org/presentationml/2006/main">
+  <p:cSld>
+    <p:spTree>
+      <p:nvGrpSpPr>
+        <p:cNvPr id="1" name=""/>
+        <p:cNvGrpSpPr/>
+        <p:nvPr/>
+      </p:nvGrpSpPr>
+      <p:grpSpPr>
+        <a:xfrm>
+          <a:off x="0" y="0"/>
+          <a:ext cx="0" cy="0"/>
+          <a:chOff x="0" y="0"/>
+          <a:chExt cx="0" cy="0"/>
+        </a:xfrm>
+      </p:grpSpPr>
+      <p:sp>
+        <p:nvSpPr>
+          <p:cNvPr id="2" name="Title 1">
+            <a:extLst>
+              <a:ext uri="{FF2B5EF4-FFF2-40B4-BE49-F238E27FC236}">
+                <a16:creationId xmlns:a16="http://schemas.microsoft.com/office/drawing/2014/main" id="{C27956DF-9B56-514A-AEEA-EBA1F8A30D0A}"/>
+              </a:ext>
+            </a:extLst>
+          </p:cNvPr>
+          <p:cNvSpPr>
+            <a:spLocks noGrp="1"/>
+          </p:cNvSpPr>
+          <p:nvPr>
+            <p:ph type="title"/>
+          </p:nvPr>
+        </p:nvSpPr>
+        <p:spPr/>
+        <p:txBody>
+          <a:bodyPr/>
+          <a:lstStyle/>
+          <a:p>
+            <a:pPr algn="ctr"/>
+            <a:r>
+              <a:rPr lang="en-US" b="1" dirty="0"/>
+              <a:t>Closing</a:t>
+            </a:r>
+          </a:p>
+        </p:txBody>
+      </p:sp>
+      <p:sp>
+        <p:nvSpPr>
+          <p:cNvPr id="3" name="Content Placeholder 2">
+            <a:extLst>
+              <a:ext uri="{FF2B5EF4-FFF2-40B4-BE49-F238E27FC236}">
+                <a16:creationId xmlns:a16="http://schemas.microsoft.com/office/drawing/2014/main" id="{955CA0D7-0212-7E46-B062-B50C1B032080}"/>
+              </a:ext>
+            </a:extLst>
+          </p:cNvPr>
+          <p:cNvSpPr>
+            <a:spLocks noGrp="1"/>
+          </p:cNvSpPr>
+          <p:nvPr>
+            <p:ph idx="1"/>
+          </p:nvPr>
+        </p:nvSpPr>
+        <p:spPr/>
+        <p:txBody>
+          <a:bodyPr/>
+          <a:lstStyle/>
+          <a:p>
+            <a:r>
+              <a:rPr lang="en-US" dirty="0"/>
+              <a:t>Thank you for coming today.  If you have any questions, please do not hesitate to reach out to me.</a:t>
+            </a:r>
+          </a:p>
+        </p:txBody>
+      </p:sp>
+    </p:spTree>
+    <p:extLst>
+      <p:ext uri="{BB962C8B-B14F-4D97-AF65-F5344CB8AC3E}">
+        <p14:creationId xmlns:p14="http://schemas.microsoft.com/office/powerpoint/2010/main" val="3758342375"/>
+      </p:ext>
+    </p:extLst>
+  </p:cSld>
+  <p:clrMapOvr>
+    <a:masterClrMapping/>
+  </p:clrMapOvr>
+</p:sld>
+</file>
+
+<file path=ppt/slides/slide12.xml><?xml version="1.0" encoding="utf-8"?>
+<p:sld xmlns:a="http://schemas.openxmlformats.org/drawingml/2006/main" xmlns:r="http://schemas.openxmlformats.org/officeDocument/2006/relationships" xmlns:p="http://schemas.openxmlformats.org/presentationml/2006/main">
+  <p:cSld>
+    <p:spTree>
+      <p:nvGrpSpPr>
+        <p:cNvPr id="1" name=""/>
+        <p:cNvGrpSpPr/>
+        <p:nvPr/>
+      </p:nvGrpSpPr>
+      <p:grpSpPr>
+        <a:xfrm>
+          <a:off x="0" y="0"/>
+          <a:ext cx="0" cy="0"/>
+          <a:chOff x="0" y="0"/>
+          <a:chExt cx="0" cy="0"/>
+        </a:xfrm>
+      </p:grpSpPr>
+      <p:sp>
+        <p:nvSpPr>
+          <p:cNvPr id="2" name="Title 1">
+            <a:extLst>
+              <a:ext uri="{FF2B5EF4-FFF2-40B4-BE49-F238E27FC236}">
+                <a16:creationId xmlns:a16="http://schemas.microsoft.com/office/drawing/2014/main" id="{5EB9202D-810F-A942-B955-A2B04A03CB3F}"/>
+              </a:ext>
+            </a:extLst>
+          </p:cNvPr>
+          <p:cNvSpPr>
+            <a:spLocks noGrp="1"/>
+          </p:cNvSpPr>
+          <p:nvPr>
+            <p:ph type="title"/>
+          </p:nvPr>
+        </p:nvSpPr>
+        <p:spPr/>
+        <p:txBody>
+          <a:bodyPr>
+            <a:normAutofit/>
+          </a:bodyPr>
+          <a:lstStyle/>
+          <a:p>
+            <a:r>
+              <a:rPr lang="en-US" sz="2400" dirty="0"/>
+              <a:t>If I had more time I would add more layers to deep learning models and change the parameters to the ARIMA models and contrast the results.  Basic parameters, layers v. more complicated.   </a:t>
+            </a:r>
+          </a:p>
+        </p:txBody>
+      </p:sp>
+      <p:sp>
+        <p:nvSpPr>
+          <p:cNvPr id="3" name="Content Placeholder 2">
+            <a:extLst>
+              <a:ext uri="{FF2B5EF4-FFF2-40B4-BE49-F238E27FC236}">
+                <a16:creationId xmlns:a16="http://schemas.microsoft.com/office/drawing/2014/main" id="{FB04DB08-FAEF-134B-9422-E08D5C7328B0}"/>
+              </a:ext>
+            </a:extLst>
+          </p:cNvPr>
+          <p:cNvSpPr>
+            <a:spLocks noGrp="1"/>
+          </p:cNvSpPr>
+          <p:nvPr>
+            <p:ph idx="1"/>
+          </p:nvPr>
+        </p:nvSpPr>
+        <p:spPr/>
+        <p:txBody>
+          <a:bodyPr/>
+          <a:lstStyle/>
+          <a:p>
+            <a:pPr marL="0" indent="0">
+              <a:buNone/>
+            </a:pPr>
+            <a:endParaRPr lang="en-US" dirty="0"/>
+          </a:p>
+        </p:txBody>
+      </p:sp>
+    </p:spTree>
+    <p:extLst>
+      <p:ext uri="{BB962C8B-B14F-4D97-AF65-F5344CB8AC3E}">
+        <p14:creationId xmlns:p14="http://schemas.microsoft.com/office/powerpoint/2010/main" val="563976896"/>
+      </p:ext>
+    </p:extLst>
+  </p:cSld>
+  <p:clrMapOvr>
+    <a:masterClrMapping/>
+  </p:clrMapOvr>
+</p:sld>
+</file>
+
 <file path=ppt/slides/slide2.xml><?xml version="1.0" encoding="utf-8"?>
 <p:sld xmlns:a="http://schemas.openxmlformats.org/drawingml/2006/main" xmlns:r="http://schemas.openxmlformats.org/officeDocument/2006/relationships" xmlns:p="http://schemas.openxmlformats.org/presentationml/2006/main">
   <p:cSld>
@@ -3546,7 +3838,7 @@
           <a:p>
             <a:r>
               <a:rPr lang="en-US" dirty="0"/>
-              <a:t>stock trading is becoming highly automated and user friendly</a:t>
+              <a:t>Market analysis software that user friendly for non-technical</a:t>
             </a:r>
           </a:p>
           <a:p>
@@ -3559,6 +3851,12 @@
             <a:r>
               <a:rPr lang="en-US" dirty="0"/>
               <a:t>Dataset time period: 1/3/17 – 4/30/21</a:t>
+            </a:r>
+          </a:p>
+          <a:p>
+            <a:r>
+              <a:rPr lang="en-US" dirty="0"/>
+              <a:t>Goal: can advanced trading tools like technical indicators and models be utilized by non-technical users with solid results</a:t>
             </a:r>
           </a:p>
           <a:p>
@@ -3630,17 +3928,17 @@
         <p:spPr/>
         <p:txBody>
           <a:bodyPr>
-            <a:normAutofit/>
+            <a:normAutofit fontScale="90000"/>
           </a:bodyPr>
           <a:lstStyle/>
           <a:p>
             <a:r>
               <a:rPr lang="en-US" sz="2700" b="1" dirty="0"/>
-              <a:t>Question 1:  Can </a:t>
+              <a:t>Question 1:  </a:t>
             </a:r>
             <a:r>
               <a:rPr lang="en-US" sz="2700" dirty="0"/>
-              <a:t>basic plots be used for analysis of past trading activity, price changes and security's future price movements? </a:t>
+              <a:t>Can the trading tools like technical indicators be simplified so users can perform  analysis of security’s past trading activity, price changes and future price movements? </a:t>
             </a:r>
             <a:br>
               <a:rPr lang="en-US" dirty="0"/>
@@ -3789,6 +4087,184 @@
           <p:cNvPr id="2" name="Title 1">
             <a:extLst>
               <a:ext uri="{FF2B5EF4-FFF2-40B4-BE49-F238E27FC236}">
+                <a16:creationId xmlns:a16="http://schemas.microsoft.com/office/drawing/2014/main" id="{CE678CB7-E59D-954F-8D47-57380E3419C0}"/>
+              </a:ext>
+            </a:extLst>
+          </p:cNvPr>
+          <p:cNvSpPr>
+            <a:spLocks noGrp="1"/>
+          </p:cNvSpPr>
+          <p:nvPr>
+            <p:ph type="title"/>
+          </p:nvPr>
+        </p:nvSpPr>
+        <p:spPr/>
+        <p:txBody>
+          <a:bodyPr>
+            <a:normAutofit/>
+          </a:bodyPr>
+          <a:lstStyle/>
+          <a:p>
+            <a:r>
+              <a:rPr lang="en-US" sz="2400" b="1" dirty="0"/>
+              <a:t>Question 1: Price Change is technical indicator</a:t>
+            </a:r>
+          </a:p>
+        </p:txBody>
+      </p:sp>
+      <p:sp>
+        <p:nvSpPr>
+          <p:cNvPr id="3" name="Content Placeholder 2">
+            <a:extLst>
+              <a:ext uri="{FF2B5EF4-FFF2-40B4-BE49-F238E27FC236}">
+                <a16:creationId xmlns:a16="http://schemas.microsoft.com/office/drawing/2014/main" id="{00E651CC-5FFA-B445-8637-8A34836CEB24}"/>
+              </a:ext>
+            </a:extLst>
+          </p:cNvPr>
+          <p:cNvSpPr>
+            <a:spLocks noGrp="1"/>
+          </p:cNvSpPr>
+          <p:nvPr>
+            <p:ph sz="half" idx="1"/>
+          </p:nvPr>
+        </p:nvSpPr>
+        <p:spPr>
+          <a:xfrm>
+            <a:off x="838200" y="1825625"/>
+            <a:ext cx="4861560" cy="4351338"/>
+          </a:xfrm>
+        </p:spPr>
+        <p:txBody>
+          <a:bodyPr/>
+          <a:lstStyle/>
+          <a:p>
+            <a:r>
+              <a:rPr lang="en-US" dirty="0"/>
+              <a:t>PFE</a:t>
+            </a:r>
+          </a:p>
+          <a:p>
+            <a:r>
+              <a:rPr lang="en-US" dirty="0"/>
+              <a:t>How much has price changed over time</a:t>
+            </a:r>
+          </a:p>
+          <a:p>
+            <a:r>
+              <a:rPr lang="en-US" dirty="0"/>
+              <a:t>Volatility?</a:t>
+            </a:r>
+          </a:p>
+          <a:p>
+            <a:r>
+              <a:rPr lang="en-US" dirty="0"/>
+              <a:t>Mean: 0.314</a:t>
+            </a:r>
+          </a:p>
+          <a:p>
+            <a:r>
+              <a:rPr lang="en-US" dirty="0"/>
+              <a:t>Min: 0.000</a:t>
+            </a:r>
+          </a:p>
+          <a:p>
+            <a:r>
+              <a:rPr lang="en-US" dirty="0"/>
+              <a:t>Max: 2.63</a:t>
+            </a:r>
+          </a:p>
+        </p:txBody>
+      </p:sp>
+      <p:sp>
+        <p:nvSpPr>
+          <p:cNvPr id="4" name="Content Placeholder 3">
+            <a:extLst>
+              <a:ext uri="{FF2B5EF4-FFF2-40B4-BE49-F238E27FC236}">
+                <a16:creationId xmlns:a16="http://schemas.microsoft.com/office/drawing/2014/main" id="{324F7214-79FB-CB4D-8831-AB7B24218399}"/>
+              </a:ext>
+            </a:extLst>
+          </p:cNvPr>
+          <p:cNvSpPr>
+            <a:spLocks noGrp="1"/>
+          </p:cNvSpPr>
+          <p:nvPr>
+            <p:ph sz="half" idx="2"/>
+          </p:nvPr>
+        </p:nvSpPr>
+        <p:spPr/>
+        <p:txBody>
+          <a:bodyPr/>
+          <a:lstStyle/>
+          <a:p>
+            <a:endParaRPr lang="en-US"/>
+          </a:p>
+        </p:txBody>
+      </p:sp>
+      <p:pic>
+        <p:nvPicPr>
+          <p:cNvPr id="5" name="Picture 4">
+            <a:extLst>
+              <a:ext uri="{FF2B5EF4-FFF2-40B4-BE49-F238E27FC236}">
+                <a16:creationId xmlns:a16="http://schemas.microsoft.com/office/drawing/2014/main" id="{621A466A-307C-A34A-AC29-D8770902DD9F}"/>
+              </a:ext>
+            </a:extLst>
+          </p:cNvPr>
+          <p:cNvPicPr>
+            <a:picLocks noChangeAspect="1"/>
+          </p:cNvPicPr>
+          <p:nvPr/>
+        </p:nvPicPr>
+        <p:blipFill>
+          <a:blip r:embed="rId2"/>
+          <a:stretch>
+            <a:fillRect/>
+          </a:stretch>
+        </p:blipFill>
+        <p:spPr>
+          <a:xfrm>
+            <a:off x="5699760" y="1463040"/>
+            <a:ext cx="5654040" cy="5039360"/>
+          </a:xfrm>
+          <a:prstGeom prst="rect">
+            <a:avLst/>
+          </a:prstGeom>
+        </p:spPr>
+      </p:pic>
+    </p:spTree>
+    <p:extLst>
+      <p:ext uri="{BB962C8B-B14F-4D97-AF65-F5344CB8AC3E}">
+        <p14:creationId xmlns:p14="http://schemas.microsoft.com/office/powerpoint/2010/main" val="3305666142"/>
+      </p:ext>
+    </p:extLst>
+  </p:cSld>
+  <p:clrMapOvr>
+    <a:masterClrMapping/>
+  </p:clrMapOvr>
+</p:sld>
+</file>
+
+<file path=ppt/slides/slide5.xml><?xml version="1.0" encoding="utf-8"?>
+<p:sld xmlns:a="http://schemas.openxmlformats.org/drawingml/2006/main" xmlns:r="http://schemas.openxmlformats.org/officeDocument/2006/relationships" xmlns:p="http://schemas.openxmlformats.org/presentationml/2006/main">
+  <p:cSld>
+    <p:spTree>
+      <p:nvGrpSpPr>
+        <p:cNvPr id="1" name=""/>
+        <p:cNvGrpSpPr/>
+        <p:nvPr/>
+      </p:nvGrpSpPr>
+      <p:grpSpPr>
+        <a:xfrm>
+          <a:off x="0" y="0"/>
+          <a:ext cx="0" cy="0"/>
+          <a:chOff x="0" y="0"/>
+          <a:chExt cx="0" cy="0"/>
+        </a:xfrm>
+      </p:grpSpPr>
+      <p:sp>
+        <p:nvSpPr>
+          <p:cNvPr id="2" name="Title 1">
+            <a:extLst>
+              <a:ext uri="{FF2B5EF4-FFF2-40B4-BE49-F238E27FC236}">
                 <a16:creationId xmlns:a16="http://schemas.microsoft.com/office/drawing/2014/main" id="{BA74225A-6846-AE43-B8D8-59EDC788BC83}"/>
               </a:ext>
             </a:extLst>
@@ -3998,7 +4474,7 @@
 </p:sld>
 </file>
 
-<file path=ppt/slides/slide5.xml><?xml version="1.0" encoding="utf-8"?>
+<file path=ppt/slides/slide6.xml><?xml version="1.0" encoding="utf-8"?>
 <p:sld xmlns:a="http://schemas.openxmlformats.org/drawingml/2006/main" xmlns:r="http://schemas.openxmlformats.org/officeDocument/2006/relationships" xmlns:p="http://schemas.openxmlformats.org/presentationml/2006/main">
   <p:cSld>
     <p:spTree>
@@ -4048,7 +4524,7 @@
             </a:br>
             <a:r>
               <a:rPr lang="en-US" sz="2400" b="1" dirty="0"/>
-              <a:t>Question 1 (Cont’d)</a:t>
+              <a:t>Question 2 (Cont’d)</a:t>
             </a:r>
             <a:br>
               <a:rPr lang="en-US" sz="2400" b="1" dirty="0"/>
@@ -4204,7 +4680,7 @@
 </p:sld>
 </file>
 
-<file path=ppt/slides/slide6.xml><?xml version="1.0" encoding="utf-8"?>
+<file path=ppt/slides/slide7.xml><?xml version="1.0" encoding="utf-8"?>
 <p:sld xmlns:a="http://schemas.openxmlformats.org/drawingml/2006/main" xmlns:r="http://schemas.openxmlformats.org/officeDocument/2006/relationships" xmlns:p="http://schemas.openxmlformats.org/presentationml/2006/main">
   <p:cSld>
     <p:spTree>
@@ -4417,7 +4893,7 @@
 </p:sld>
 </file>
 
-<file path=ppt/slides/slide7.xml><?xml version="1.0" encoding="utf-8"?>
+<file path=ppt/slides/slide8.xml><?xml version="1.0" encoding="utf-8"?>
 <p:sld xmlns:a="http://schemas.openxmlformats.org/drawingml/2006/main" xmlns:r="http://schemas.openxmlformats.org/officeDocument/2006/relationships" xmlns:p="http://schemas.openxmlformats.org/presentationml/2006/main">
   <p:cSld>
     <p:spTree>
@@ -4468,7 +4944,7 @@
             </a:r>
             <a:r>
               <a:rPr lang="en-US" sz="2400" b="1" dirty="0"/>
-              <a:t>How does the SARIMA model perform in forecasting stock prices with column ‘Adj Close' and only basic model parameters</a:t>
+              <a:t>How does the ARIMA model perform in forecasting stock prices with column ‘Adj Close' and only basic model parameters</a:t>
             </a:r>
             <a:r>
               <a:rPr lang="en-US" sz="2400" dirty="0"/>
@@ -4623,6 +5099,123 @@
     <p:extLst>
       <p:ext uri="{BB962C8B-B14F-4D97-AF65-F5344CB8AC3E}">
         <p14:creationId xmlns:p14="http://schemas.microsoft.com/office/powerpoint/2010/main" val="1852043423"/>
+      </p:ext>
+    </p:extLst>
+  </p:cSld>
+  <p:clrMapOvr>
+    <a:masterClrMapping/>
+  </p:clrMapOvr>
+</p:sld>
+</file>
+
+<file path=ppt/slides/slide9.xml><?xml version="1.0" encoding="utf-8"?>
+<p:sld xmlns:a="http://schemas.openxmlformats.org/drawingml/2006/main" xmlns:r="http://schemas.openxmlformats.org/officeDocument/2006/relationships" xmlns:p="http://schemas.openxmlformats.org/presentationml/2006/main">
+  <p:cSld>
+    <p:spTree>
+      <p:nvGrpSpPr>
+        <p:cNvPr id="1" name=""/>
+        <p:cNvGrpSpPr/>
+        <p:nvPr/>
+      </p:nvGrpSpPr>
+      <p:grpSpPr>
+        <a:xfrm>
+          <a:off x="0" y="0"/>
+          <a:ext cx="0" cy="0"/>
+          <a:chOff x="0" y="0"/>
+          <a:chExt cx="0" cy="0"/>
+        </a:xfrm>
+      </p:grpSpPr>
+      <p:sp>
+        <p:nvSpPr>
+          <p:cNvPr id="2" name="Title 1">
+            <a:extLst>
+              <a:ext uri="{FF2B5EF4-FFF2-40B4-BE49-F238E27FC236}">
+                <a16:creationId xmlns:a16="http://schemas.microsoft.com/office/drawing/2014/main" id="{328F9447-DFE4-054D-836C-BF1EE72247AA}"/>
+              </a:ext>
+            </a:extLst>
+          </p:cNvPr>
+          <p:cNvSpPr>
+            <a:spLocks noGrp="1"/>
+          </p:cNvSpPr>
+          <p:nvPr>
+            <p:ph type="title"/>
+          </p:nvPr>
+        </p:nvSpPr>
+        <p:spPr/>
+        <p:txBody>
+          <a:bodyPr>
+            <a:normAutofit/>
+          </a:bodyPr>
+          <a:lstStyle/>
+          <a:p>
+            <a:r>
+              <a:rPr lang="en-US" dirty="0"/>
+              <a:t>Findings</a:t>
+            </a:r>
+          </a:p>
+        </p:txBody>
+      </p:sp>
+      <p:sp>
+        <p:nvSpPr>
+          <p:cNvPr id="3" name="Content Placeholder 2">
+            <a:extLst>
+              <a:ext uri="{FF2B5EF4-FFF2-40B4-BE49-F238E27FC236}">
+                <a16:creationId xmlns:a16="http://schemas.microsoft.com/office/drawing/2014/main" id="{69973B89-07F6-F647-8AF2-90CFE6046AE9}"/>
+              </a:ext>
+            </a:extLst>
+          </p:cNvPr>
+          <p:cNvSpPr>
+            <a:spLocks noGrp="1"/>
+          </p:cNvSpPr>
+          <p:nvPr>
+            <p:ph idx="1"/>
+          </p:nvPr>
+        </p:nvSpPr>
+        <p:spPr/>
+        <p:txBody>
+          <a:bodyPr/>
+          <a:lstStyle/>
+          <a:p>
+            <a:pPr marL="0" indent="0">
+              <a:buNone/>
+            </a:pPr>
+            <a:r>
+              <a:rPr lang="en-US" dirty="0"/>
+              <a:t>Technical indicators can be used by non-technical user to analyze stock history and future price trends with good results, </a:t>
+            </a:r>
+            <a:r>
+              <a:rPr lang="en-US" dirty="0" err="1"/>
+              <a:t>ie</a:t>
+            </a:r>
+            <a:r>
+              <a:rPr lang="en-US" dirty="0"/>
+              <a:t> moving averages gives user realistic view of how stock has performed.  Also shows user where stock should have been bought and sold.</a:t>
+            </a:r>
+          </a:p>
+          <a:p>
+            <a:pPr marL="0" indent="0">
+              <a:buNone/>
+            </a:pPr>
+            <a:r>
+              <a:rPr lang="en-US" dirty="0"/>
+              <a:t>LSTM models performed well.  With volatile stock model off by $26.10.  Model metric for NVAX was 0.15.  Non-volatile stock off by 0.94.</a:t>
+            </a:r>
+          </a:p>
+          <a:p>
+            <a:pPr marL="0" indent="0">
+              <a:buNone/>
+            </a:pPr>
+            <a:r>
+              <a:rPr lang="en-US" dirty="0"/>
+              <a:t>ARIMA models performed well. One-step ahead off by 0.53.  Dynamic Forecasting off 2.91.</a:t>
+            </a:r>
+          </a:p>
+        </p:txBody>
+      </p:sp>
+    </p:spTree>
+    <p:extLst>
+      <p:ext uri="{BB962C8B-B14F-4D97-AF65-F5344CB8AC3E}">
+        <p14:creationId xmlns:p14="http://schemas.microsoft.com/office/powerpoint/2010/main" val="1330288"/>
       </p:ext>
     </p:extLst>
   </p:cSld>
